--- a/0-PRESENTATION_POWERPOINT/presentation_mitre.pptx
+++ b/0-PRESENTATION_POWERPOINT/presentation_mitre.pptx
@@ -4284,7 +4284,7 @@
           <a:p>
             <a:fld id="{7886AB2E-2EFC-4550-951D-79679443F946}" type="datetimeFigureOut">
               <a:rPr lang="fr-RE" smtClean="0"/>
-              <a:t>31/12/2021</a:t>
+              <a:t>04/01/2022</a:t>
             </a:fld>
             <a:endParaRPr lang="fr-RE"/>
           </a:p>
@@ -6463,7 +6463,7 @@
           <a:p>
             <a:fld id="{9E930371-97C5-4688-BB82-915A48E8D299}" type="datetime1">
               <a:rPr lang="en-US" smtClean="0"/>
-              <a:t>12/31/2021</a:t>
+              <a:t>1/4/2022</a:t>
             </a:fld>
             <a:endParaRPr lang="en-US" dirty="0"/>
           </a:p>
@@ -6662,7 +6662,7 @@
           <a:p>
             <a:fld id="{C13DF8A8-33B6-4A6B-ABDB-0C28B3DCED6C}" type="datetime1">
               <a:rPr lang="en-US" smtClean="0"/>
-              <a:t>12/31/2021</a:t>
+              <a:t>1/4/2022</a:t>
             </a:fld>
             <a:endParaRPr lang="en-US" dirty="0"/>
           </a:p>
@@ -6870,7 +6870,7 @@
           <a:p>
             <a:fld id="{BC93C174-6EBC-45A5-9EB8-153A124605E6}" type="datetime1">
               <a:rPr lang="en-US" smtClean="0"/>
-              <a:t>12/31/2021</a:t>
+              <a:t>1/4/2022</a:t>
             </a:fld>
             <a:endParaRPr lang="en-US" dirty="0"/>
           </a:p>
@@ -7068,7 +7068,7 @@
           <a:p>
             <a:fld id="{EFB28C93-7075-4E76-B45C-B9FF0322A90E}" type="datetime1">
               <a:rPr lang="en-US" smtClean="0"/>
-              <a:t>12/31/2021</a:t>
+              <a:t>1/4/2022</a:t>
             </a:fld>
             <a:endParaRPr lang="en-US" dirty="0"/>
           </a:p>
@@ -7344,7 +7344,7 @@
           <a:p>
             <a:fld id="{47DEBC2F-0F34-41B0-BD15-4030B3C80711}" type="datetime1">
               <a:rPr lang="en-US" smtClean="0"/>
-              <a:t>12/31/2021</a:t>
+              <a:t>1/4/2022</a:t>
             </a:fld>
             <a:endParaRPr lang="en-US" dirty="0"/>
           </a:p>
@@ -7610,7 +7610,7 @@
           <a:p>
             <a:fld id="{8C2C56FC-4377-4EFD-BB99-CB27C7D9BCD5}" type="datetime1">
               <a:rPr lang="en-US" smtClean="0"/>
-              <a:t>12/31/2021</a:t>
+              <a:t>1/4/2022</a:t>
             </a:fld>
             <a:endParaRPr lang="en-US" dirty="0"/>
           </a:p>
@@ -8022,7 +8022,7 @@
           <a:p>
             <a:fld id="{83DFAC24-BE89-40F1-B8A1-6CF560A3CA4C}" type="datetime1">
               <a:rPr lang="en-US" smtClean="0"/>
-              <a:t>12/31/2021</a:t>
+              <a:t>1/4/2022</a:t>
             </a:fld>
             <a:endParaRPr lang="en-US" dirty="0"/>
           </a:p>
@@ -8165,7 +8165,7 @@
           <a:p>
             <a:fld id="{76FCCAEA-B3F0-45A8-A8EC-650E5501C20E}" type="datetime1">
               <a:rPr lang="en-US" smtClean="0"/>
-              <a:t>12/31/2021</a:t>
+              <a:t>1/4/2022</a:t>
             </a:fld>
             <a:endParaRPr lang="en-US" dirty="0"/>
           </a:p>
@@ -8278,7 +8278,7 @@
           <a:p>
             <a:fld id="{4E754737-5192-4A80-9BDD-8A617DF183E3}" type="datetime1">
               <a:rPr lang="en-US" smtClean="0"/>
-              <a:t>12/31/2021</a:t>
+              <a:t>1/4/2022</a:t>
             </a:fld>
             <a:endParaRPr lang="en-US" dirty="0"/>
           </a:p>
@@ -8589,7 +8589,7 @@
           <a:p>
             <a:fld id="{C428BA53-2944-48FA-B706-BEE0070E76BA}" type="datetime1">
               <a:rPr lang="en-US" smtClean="0"/>
-              <a:t>12/31/2021</a:t>
+              <a:t>1/4/2022</a:t>
             </a:fld>
             <a:endParaRPr lang="en-US" dirty="0"/>
           </a:p>
@@ -8877,7 +8877,7 @@
           <a:p>
             <a:fld id="{BDAFE1A4-27BD-4653-85B1-F875F6DFCFFC}" type="datetime1">
               <a:rPr lang="en-US" smtClean="0"/>
-              <a:t>12/31/2021</a:t>
+              <a:t>1/4/2022</a:t>
             </a:fld>
             <a:endParaRPr lang="en-US" dirty="0"/>
           </a:p>
@@ -9118,7 +9118,7 @@
           <a:p>
             <a:fld id="{83DFAC24-BE89-40F1-B8A1-6CF560A3CA4C}" type="datetime1">
               <a:rPr lang="en-US" smtClean="0"/>
-              <a:t>12/31/2021</a:t>
+              <a:t>1/4/2022</a:t>
             </a:fld>
             <a:endParaRPr lang="en-US" dirty="0"/>
           </a:p>
@@ -9762,7 +9762,7 @@
             </a:fld>
             <a:r>
               <a:rPr lang="en-US" sz="1600" b="1" dirty="0"/>
-              <a:t> / 12</a:t>
+              <a:t> / 11</a:t>
             </a:r>
             <a:endParaRPr lang="en-US" sz="1800" b="1" dirty="0"/>
           </a:p>
@@ -9924,7 +9924,7 @@
             </a:fld>
             <a:r>
               <a:rPr lang="en-US" sz="1600" b="1" dirty="0"/>
-              <a:t> / 12</a:t>
+              <a:t> / 11</a:t>
             </a:r>
           </a:p>
         </p:txBody>
@@ -10163,7 +10163,7 @@
             </a:fld>
             <a:r>
               <a:rPr lang="en-US" sz="1600" b="1" dirty="0"/>
-              <a:t> / 12</a:t>
+              <a:t> / 11</a:t>
             </a:r>
           </a:p>
         </p:txBody>
@@ -10320,7 +10320,7 @@
             </a:fld>
             <a:r>
               <a:rPr lang="en-US" sz="1600" b="1" dirty="0"/>
-              <a:t> / 12</a:t>
+              <a:t> / 11</a:t>
             </a:r>
           </a:p>
         </p:txBody>
@@ -10535,7 +10535,7 @@
             </a:fld>
             <a:r>
               <a:rPr lang="en-US" sz="1600" b="1" dirty="0"/>
-              <a:t> / 12</a:t>
+              <a:t> / 11</a:t>
             </a:r>
           </a:p>
         </p:txBody>
@@ -10799,7 +10799,7 @@
             </a:fld>
             <a:r>
               <a:rPr lang="en-US" sz="1600" b="1" dirty="0"/>
-              <a:t> / 12</a:t>
+              <a:t> / 11</a:t>
             </a:r>
           </a:p>
         </p:txBody>
@@ -11074,7 +11074,7 @@
             </a:fld>
             <a:r>
               <a:rPr lang="en-US" sz="1600" b="1" dirty="0"/>
-              <a:t> / 12</a:t>
+              <a:t> / 11</a:t>
             </a:r>
           </a:p>
         </p:txBody>
@@ -11349,7 +11349,7 @@
             </a:fld>
             <a:r>
               <a:rPr lang="en-US" sz="1600" b="1" dirty="0"/>
-              <a:t> / 12</a:t>
+              <a:t> / 11</a:t>
             </a:r>
           </a:p>
         </p:txBody>
@@ -11645,7 +11645,7 @@
             </a:fld>
             <a:r>
               <a:rPr lang="en-US" sz="1600" b="1" dirty="0"/>
-              <a:t> / 12</a:t>
+              <a:t> / 11</a:t>
             </a:r>
           </a:p>
         </p:txBody>
@@ -11920,7 +11920,7 @@
             </a:fld>
             <a:r>
               <a:rPr lang="en-US" sz="1600" b="1" dirty="0"/>
-              <a:t> / 12</a:t>
+              <a:t> / 11</a:t>
             </a:r>
           </a:p>
         </p:txBody>
@@ -12133,7 +12133,7 @@
             </a:fld>
             <a:r>
               <a:rPr lang="en-US" sz="1600" b="1" dirty="0"/>
-              <a:t> / 12</a:t>
+              <a:t> / 11</a:t>
             </a:r>
           </a:p>
         </p:txBody>
